--- a/Tutorial_WebConf.pptx
+++ b/Tutorial_WebConf.pptx
@@ -313,7 +313,7 @@
           <a:p>
             <a:fld id="{488C305F-8B13-4FFB-B314-CC42778F6F74}" type="datetimeFigureOut">
               <a:rPr lang="en-US" smtClean="0"/>
-              <a:t>3/31/2022</a:t>
+              <a:t>4/4/2022</a:t>
             </a:fld>
             <a:endParaRPr lang="en-US"/>
           </a:p>
@@ -513,7 +513,7 @@
           <a:p>
             <a:fld id="{488C305F-8B13-4FFB-B314-CC42778F6F74}" type="datetimeFigureOut">
               <a:rPr lang="en-US" smtClean="0"/>
-              <a:t>3/31/2022</a:t>
+              <a:t>4/4/2022</a:t>
             </a:fld>
             <a:endParaRPr lang="en-US"/>
           </a:p>
@@ -723,7 +723,7 @@
           <a:p>
             <a:fld id="{488C305F-8B13-4FFB-B314-CC42778F6F74}" type="datetimeFigureOut">
               <a:rPr lang="en-US" smtClean="0"/>
-              <a:t>3/31/2022</a:t>
+              <a:t>4/4/2022</a:t>
             </a:fld>
             <a:endParaRPr lang="en-US"/>
           </a:p>
@@ -923,7 +923,7 @@
           <a:p>
             <a:fld id="{488C305F-8B13-4FFB-B314-CC42778F6F74}" type="datetimeFigureOut">
               <a:rPr lang="en-US" smtClean="0"/>
-              <a:t>3/31/2022</a:t>
+              <a:t>4/4/2022</a:t>
             </a:fld>
             <a:endParaRPr lang="en-US"/>
           </a:p>
@@ -1199,7 +1199,7 @@
           <a:p>
             <a:fld id="{488C305F-8B13-4FFB-B314-CC42778F6F74}" type="datetimeFigureOut">
               <a:rPr lang="en-US" smtClean="0"/>
-              <a:t>3/31/2022</a:t>
+              <a:t>4/4/2022</a:t>
             </a:fld>
             <a:endParaRPr lang="en-US"/>
           </a:p>
@@ -1467,7 +1467,7 @@
           <a:p>
             <a:fld id="{488C305F-8B13-4FFB-B314-CC42778F6F74}" type="datetimeFigureOut">
               <a:rPr lang="en-US" smtClean="0"/>
-              <a:t>3/31/2022</a:t>
+              <a:t>4/4/2022</a:t>
             </a:fld>
             <a:endParaRPr lang="en-US"/>
           </a:p>
@@ -1882,7 +1882,7 @@
           <a:p>
             <a:fld id="{488C305F-8B13-4FFB-B314-CC42778F6F74}" type="datetimeFigureOut">
               <a:rPr lang="en-US" smtClean="0"/>
-              <a:t>3/31/2022</a:t>
+              <a:t>4/4/2022</a:t>
             </a:fld>
             <a:endParaRPr lang="en-US"/>
           </a:p>
@@ -2024,7 +2024,7 @@
           <a:p>
             <a:fld id="{488C305F-8B13-4FFB-B314-CC42778F6F74}" type="datetimeFigureOut">
               <a:rPr lang="en-US" smtClean="0"/>
-              <a:t>3/31/2022</a:t>
+              <a:t>4/4/2022</a:t>
             </a:fld>
             <a:endParaRPr lang="en-US"/>
           </a:p>
@@ -2137,7 +2137,7 @@
           <a:p>
             <a:fld id="{488C305F-8B13-4FFB-B314-CC42778F6F74}" type="datetimeFigureOut">
               <a:rPr lang="en-US" smtClean="0"/>
-              <a:t>3/31/2022</a:t>
+              <a:t>4/4/2022</a:t>
             </a:fld>
             <a:endParaRPr lang="en-US"/>
           </a:p>
@@ -2450,7 +2450,7 @@
           <a:p>
             <a:fld id="{488C305F-8B13-4FFB-B314-CC42778F6F74}" type="datetimeFigureOut">
               <a:rPr lang="en-US" smtClean="0"/>
-              <a:t>3/31/2022</a:t>
+              <a:t>4/4/2022</a:t>
             </a:fld>
             <a:endParaRPr lang="en-US"/>
           </a:p>
@@ -2739,7 +2739,7 @@
           <a:p>
             <a:fld id="{488C305F-8B13-4FFB-B314-CC42778F6F74}" type="datetimeFigureOut">
               <a:rPr lang="en-US" smtClean="0"/>
-              <a:t>3/31/2022</a:t>
+              <a:t>4/4/2022</a:t>
             </a:fld>
             <a:endParaRPr lang="en-US"/>
           </a:p>
@@ -2982,7 +2982,7 @@
           <a:p>
             <a:fld id="{488C305F-8B13-4FFB-B314-CC42778F6F74}" type="datetimeFigureOut">
               <a:rPr lang="en-US" smtClean="0"/>
-              <a:t>3/31/2022</a:t>
+              <a:t>4/4/2022</a:t>
             </a:fld>
             <a:endParaRPr lang="en-US"/>
           </a:p>
@@ -3558,7 +3558,7 @@
                   <a:schemeClr val="bg1"/>
                 </a:solidFill>
               </a:rPr>
-              <a:t>Belcao Matteo</a:t>
+              <a:t>Matteo Belcao</a:t>
             </a:r>
           </a:p>
           <a:p>
@@ -3569,7 +3569,7 @@
                   <a:schemeClr val="bg1"/>
                 </a:solidFill>
               </a:rPr>
-              <a:t>Emanuele De Valle</a:t>
+              <a:t>Emanuele Della Valle</a:t>
             </a:r>
           </a:p>
         </p:txBody>
@@ -10205,7 +10205,7 @@
         <p:spPr>
           <a:xfrm>
             <a:off x="3745401" y="5971894"/>
-            <a:ext cx="1555175" cy="314915"/>
+            <a:ext cx="1555175" cy="412469"/>
           </a:xfrm>
           <a:prstGeom prst="snip1Rect">
             <a:avLst/>
@@ -11095,10 +11095,170 @@
         <p:spPr>
           <a:xfrm flipV="1">
             <a:off x="5300576" y="4619122"/>
-            <a:ext cx="5221369" cy="1513742"/>
+            <a:ext cx="5221369" cy="1674522"/>
           </a:xfrm>
           <a:prstGeom prst="bentConnector2">
             <a:avLst/>
+          </a:prstGeom>
+          <a:ln>
+            <a:tailEnd type="triangle"/>
+          </a:ln>
+        </p:spPr>
+        <p:style>
+          <a:lnRef idx="1">
+            <a:schemeClr val="dk1"/>
+          </a:lnRef>
+          <a:fillRef idx="0">
+            <a:schemeClr val="dk1"/>
+          </a:fillRef>
+          <a:effectRef idx="0">
+            <a:schemeClr val="dk1"/>
+          </a:effectRef>
+          <a:fontRef idx="minor">
+            <a:schemeClr val="tx1"/>
+          </a:fontRef>
+        </p:style>
+      </p:cxnSp>
+      <p:sp>
+        <p:nvSpPr>
+          <p:cNvPr id="39" name="CasellaDiTesto 38">
+            <a:extLst>
+              <a:ext uri="{FF2B5EF4-FFF2-40B4-BE49-F238E27FC236}">
+                <a16:creationId xmlns:a16="http://schemas.microsoft.com/office/drawing/2014/main" id="{106581B1-7607-47EE-B2E7-C21F288B2DEF}"/>
+              </a:ext>
+            </a:extLst>
+          </p:cNvPr>
+          <p:cNvSpPr txBox="1"/>
+          <p:nvPr/>
+        </p:nvSpPr>
+        <p:spPr>
+          <a:xfrm>
+            <a:off x="2251960" y="5660566"/>
+            <a:ext cx="2761439" cy="246221"/>
+          </a:xfrm>
+          <a:prstGeom prst="rect">
+            <a:avLst/>
+          </a:prstGeom>
+          <a:noFill/>
+        </p:spPr>
+        <p:txBody>
+          <a:bodyPr wrap="square">
+            <a:spAutoFit/>
+          </a:bodyPr>
+          <a:lstStyle/>
+          <a:p>
+            <a:r>
+              <a:rPr lang="it-IT" sz="1000" b="0" i="0" dirty="0" err="1">
+                <a:effectLst/>
+                <a:latin typeface="ui-monospace"/>
+              </a:rPr>
+              <a:t>com.ververica.flink.table.jdbc.FlinkDriver</a:t>
+            </a:r>
+            <a:endParaRPr lang="en-US" sz="1000" dirty="0"/>
+          </a:p>
+        </p:txBody>
+      </p:sp>
+      <p:sp>
+        <p:nvSpPr>
+          <p:cNvPr id="40" name="CasellaDiTesto 39">
+            <a:extLst>
+              <a:ext uri="{FF2B5EF4-FFF2-40B4-BE49-F238E27FC236}">
+                <a16:creationId xmlns:a16="http://schemas.microsoft.com/office/drawing/2014/main" id="{EF6C8776-BB73-4560-A585-ADF5384BCB76}"/>
+              </a:ext>
+            </a:extLst>
+          </p:cNvPr>
+          <p:cNvSpPr txBox="1"/>
+          <p:nvPr/>
+        </p:nvSpPr>
+        <p:spPr>
+          <a:xfrm>
+            <a:off x="6914596" y="6255959"/>
+            <a:ext cx="2761439" cy="246221"/>
+          </a:xfrm>
+          <a:prstGeom prst="rect">
+            <a:avLst/>
+          </a:prstGeom>
+          <a:noFill/>
+        </p:spPr>
+        <p:txBody>
+          <a:bodyPr wrap="square">
+            <a:spAutoFit/>
+          </a:bodyPr>
+          <a:lstStyle/>
+          <a:p>
+            <a:r>
+              <a:rPr lang="it-IT" sz="1000" b="0" i="0" dirty="0" err="1">
+                <a:effectLst/>
+                <a:latin typeface="ui-monospace"/>
+              </a:rPr>
+              <a:t>com.ververica.flink.table.jdbc.FlinkDriver</a:t>
+            </a:r>
+            <a:endParaRPr lang="en-US" sz="1000" dirty="0"/>
+          </a:p>
+        </p:txBody>
+      </p:sp>
+      <p:sp>
+        <p:nvSpPr>
+          <p:cNvPr id="41" name="CasellaDiTesto 40">
+            <a:extLst>
+              <a:ext uri="{FF2B5EF4-FFF2-40B4-BE49-F238E27FC236}">
+                <a16:creationId xmlns:a16="http://schemas.microsoft.com/office/drawing/2014/main" id="{72F275EB-8573-4F21-90B3-B4B58A8B0BAE}"/>
+              </a:ext>
+            </a:extLst>
+          </p:cNvPr>
+          <p:cNvSpPr txBox="1"/>
+          <p:nvPr/>
+        </p:nvSpPr>
+        <p:spPr>
+          <a:xfrm>
+            <a:off x="6369739" y="5948668"/>
+            <a:ext cx="3288029" cy="246221"/>
+          </a:xfrm>
+          <a:prstGeom prst="rect">
+            <a:avLst/>
+          </a:prstGeom>
+          <a:noFill/>
+        </p:spPr>
+        <p:txBody>
+          <a:bodyPr wrap="square">
+            <a:spAutoFit/>
+          </a:bodyPr>
+          <a:lstStyle/>
+          <a:p>
+            <a:r>
+              <a:rPr lang="it-IT" sz="1000" b="0" i="0" dirty="0">
+                <a:effectLst/>
+                <a:latin typeface="ui-monospace"/>
+              </a:rPr>
+              <a:t>ontop.iq.transform.IQTree2NativeNodeGenerator</a:t>
+            </a:r>
+            <a:endParaRPr lang="en-US" sz="1000" dirty="0"/>
+          </a:p>
+        </p:txBody>
+      </p:sp>
+      <p:cxnSp>
+        <p:nvCxnSpPr>
+          <p:cNvPr id="42" name="Connettore 2 75">
+            <a:extLst>
+              <a:ext uri="{FF2B5EF4-FFF2-40B4-BE49-F238E27FC236}">
+                <a16:creationId xmlns:a16="http://schemas.microsoft.com/office/drawing/2014/main" id="{C13807F5-E2CC-48A4-8EF7-626405DBCDED}"/>
+              </a:ext>
+            </a:extLst>
+          </p:cNvPr>
+          <p:cNvCxnSpPr>
+            <a:cxnSpLocks/>
+          </p:cNvCxnSpPr>
+          <p:nvPr/>
+        </p:nvCxnSpPr>
+        <p:spPr>
+          <a:xfrm flipV="1">
+            <a:off x="5300576" y="3048402"/>
+            <a:ext cx="3814551" cy="3111999"/>
+          </a:xfrm>
+          <a:prstGeom prst="bentConnector3">
+            <a:avLst>
+              <a:gd name="adj1" fmla="val 99940"/>
+            </a:avLst>
           </a:prstGeom>
           <a:ln>
             <a:tailEnd type="triangle"/>

--- a/Tutorial_WebConf.pptx
+++ b/Tutorial_WebConf.pptx
@@ -313,7 +313,7 @@
           <a:p>
             <a:fld id="{488C305F-8B13-4FFB-B314-CC42778F6F74}" type="datetimeFigureOut">
               <a:rPr lang="en-US" smtClean="0"/>
-              <a:t>4/4/2022</a:t>
+              <a:t>4/5/2022</a:t>
             </a:fld>
             <a:endParaRPr lang="en-US"/>
           </a:p>
@@ -513,7 +513,7 @@
           <a:p>
             <a:fld id="{488C305F-8B13-4FFB-B314-CC42778F6F74}" type="datetimeFigureOut">
               <a:rPr lang="en-US" smtClean="0"/>
-              <a:t>4/4/2022</a:t>
+              <a:t>4/5/2022</a:t>
             </a:fld>
             <a:endParaRPr lang="en-US"/>
           </a:p>
@@ -723,7 +723,7 @@
           <a:p>
             <a:fld id="{488C305F-8B13-4FFB-B314-CC42778F6F74}" type="datetimeFigureOut">
               <a:rPr lang="en-US" smtClean="0"/>
-              <a:t>4/4/2022</a:t>
+              <a:t>4/5/2022</a:t>
             </a:fld>
             <a:endParaRPr lang="en-US"/>
           </a:p>
@@ -923,7 +923,7 @@
           <a:p>
             <a:fld id="{488C305F-8B13-4FFB-B314-CC42778F6F74}" type="datetimeFigureOut">
               <a:rPr lang="en-US" smtClean="0"/>
-              <a:t>4/4/2022</a:t>
+              <a:t>4/5/2022</a:t>
             </a:fld>
             <a:endParaRPr lang="en-US"/>
           </a:p>
@@ -1199,7 +1199,7 @@
           <a:p>
             <a:fld id="{488C305F-8B13-4FFB-B314-CC42778F6F74}" type="datetimeFigureOut">
               <a:rPr lang="en-US" smtClean="0"/>
-              <a:t>4/4/2022</a:t>
+              <a:t>4/5/2022</a:t>
             </a:fld>
             <a:endParaRPr lang="en-US"/>
           </a:p>
@@ -1467,7 +1467,7 @@
           <a:p>
             <a:fld id="{488C305F-8B13-4FFB-B314-CC42778F6F74}" type="datetimeFigureOut">
               <a:rPr lang="en-US" smtClean="0"/>
-              <a:t>4/4/2022</a:t>
+              <a:t>4/5/2022</a:t>
             </a:fld>
             <a:endParaRPr lang="en-US"/>
           </a:p>
@@ -1882,7 +1882,7 @@
           <a:p>
             <a:fld id="{488C305F-8B13-4FFB-B314-CC42778F6F74}" type="datetimeFigureOut">
               <a:rPr lang="en-US" smtClean="0"/>
-              <a:t>4/4/2022</a:t>
+              <a:t>4/5/2022</a:t>
             </a:fld>
             <a:endParaRPr lang="en-US"/>
           </a:p>
@@ -2024,7 +2024,7 @@
           <a:p>
             <a:fld id="{488C305F-8B13-4FFB-B314-CC42778F6F74}" type="datetimeFigureOut">
               <a:rPr lang="en-US" smtClean="0"/>
-              <a:t>4/4/2022</a:t>
+              <a:t>4/5/2022</a:t>
             </a:fld>
             <a:endParaRPr lang="en-US"/>
           </a:p>
@@ -2137,7 +2137,7 @@
           <a:p>
             <a:fld id="{488C305F-8B13-4FFB-B314-CC42778F6F74}" type="datetimeFigureOut">
               <a:rPr lang="en-US" smtClean="0"/>
-              <a:t>4/4/2022</a:t>
+              <a:t>4/5/2022</a:t>
             </a:fld>
             <a:endParaRPr lang="en-US"/>
           </a:p>
@@ -2450,7 +2450,7 @@
           <a:p>
             <a:fld id="{488C305F-8B13-4FFB-B314-CC42778F6F74}" type="datetimeFigureOut">
               <a:rPr lang="en-US" smtClean="0"/>
-              <a:t>4/4/2022</a:t>
+              <a:t>4/5/2022</a:t>
             </a:fld>
             <a:endParaRPr lang="en-US"/>
           </a:p>
@@ -2739,7 +2739,7 @@
           <a:p>
             <a:fld id="{488C305F-8B13-4FFB-B314-CC42778F6F74}" type="datetimeFigureOut">
               <a:rPr lang="en-US" smtClean="0"/>
-              <a:t>4/4/2022</a:t>
+              <a:t>4/5/2022</a:t>
             </a:fld>
             <a:endParaRPr lang="en-US"/>
           </a:p>
@@ -2982,7 +2982,7 @@
           <a:p>
             <a:fld id="{488C305F-8B13-4FFB-B314-CC42778F6F74}" type="datetimeFigureOut">
               <a:rPr lang="en-US" smtClean="0"/>
-              <a:t>4/4/2022</a:t>
+              <a:t>4/5/2022</a:t>
             </a:fld>
             <a:endParaRPr lang="en-US"/>
           </a:p>
@@ -13738,7 +13738,7 @@
         </p:nvSpPr>
         <p:spPr>
           <a:xfrm>
-            <a:off x="105434" y="1298872"/>
+            <a:off x="87621" y="1286997"/>
             <a:ext cx="11781765" cy="4633449"/>
           </a:xfrm>
           <a:prstGeom prst="rect">
@@ -13747,7 +13747,7 @@
         </p:spPr>
         <p:txBody>
           <a:bodyPr>
-            <a:normAutofit lnSpcReduction="10000"/>
+            <a:noAutofit/>
           </a:bodyPr>
           <a:lstStyle>
             <a:lvl1pPr marL="228600" indent="-228600" algn="l" defTabSz="914400" rtl="0" eaLnBrk="1" latinLnBrk="0" hangingPunct="1">
@@ -13914,63 +13914,71 @@
             </a:lvl9pPr>
           </a:lstStyle>
           <a:p>
+            <a:pPr marL="0" indent="0" algn="just">
+              <a:lnSpc>
+                <a:spcPct val="160000"/>
+              </a:lnSpc>
+              <a:spcAft>
+                <a:spcPts val="600"/>
+              </a:spcAft>
+              <a:buNone/>
+            </a:pPr>
+            <a:r>
+              <a:rPr lang="en-US" sz="2000" dirty="0">
+                <a:solidFill>
+                  <a:srgbClr val="24292F"/>
+                </a:solidFill>
+                <a:latin typeface="Arial" panose="020B0604020202020204" pitchFamily="34" charset="0"/>
+                <a:cs typeface="Arial" panose="020B0604020202020204" pitchFamily="34" charset="0"/>
+              </a:rPr>
+              <a:t>A car rental company has recently decided to </a:t>
+            </a:r>
+            <a:r>
+              <a:rPr lang="en-US" sz="2000" b="1" dirty="0">
+                <a:solidFill>
+                  <a:srgbClr val="24292F"/>
+                </a:solidFill>
+                <a:latin typeface="Arial" panose="020B0604020202020204" pitchFamily="34" charset="0"/>
+                <a:cs typeface="Arial" panose="020B0604020202020204" pitchFamily="34" charset="0"/>
+              </a:rPr>
+              <a:t>unify the information systems</a:t>
+            </a:r>
+            <a:r>
+              <a:rPr lang="en-US" sz="2000" dirty="0">
+                <a:solidFill>
+                  <a:srgbClr val="24292F"/>
+                </a:solidFill>
+                <a:latin typeface="Arial" panose="020B0604020202020204" pitchFamily="34" charset="0"/>
+                <a:cs typeface="Arial" panose="020B0604020202020204" pitchFamily="34" charset="0"/>
+              </a:rPr>
+              <a:t> of </a:t>
+            </a:r>
+            <a:r>
+              <a:rPr lang="en-US" sz="2000" b="1" dirty="0">
+                <a:solidFill>
+                  <a:srgbClr val="24292F"/>
+                </a:solidFill>
+                <a:latin typeface="Arial" panose="020B0604020202020204" pitchFamily="34" charset="0"/>
+                <a:cs typeface="Arial" panose="020B0604020202020204" pitchFamily="34" charset="0"/>
+              </a:rPr>
+              <a:t>two branches</a:t>
+            </a:r>
+            <a:r>
+              <a:rPr lang="en-US" sz="2000" dirty="0">
+                <a:solidFill>
+                  <a:srgbClr val="24292F"/>
+                </a:solidFill>
+                <a:latin typeface="Arial" panose="020B0604020202020204" pitchFamily="34" charset="0"/>
+                <a:cs typeface="Arial" panose="020B0604020202020204" pitchFamily="34" charset="0"/>
+              </a:rPr>
+              <a:t> using ontology-based data access techniques.</a:t>
+            </a:r>
+          </a:p>
+          <a:p>
             <a:pPr algn="just">
-              <a:buFont typeface="Wingdings" panose="05000000000000000000" pitchFamily="2" charset="2"/>
-              <a:buChar char="§"/>
-            </a:pPr>
-            <a:r>
-              <a:rPr lang="en-US" sz="2000" dirty="0">
-                <a:solidFill>
-                  <a:srgbClr val="24292F"/>
-                </a:solidFill>
-                <a:latin typeface="Arial" panose="020B0604020202020204" pitchFamily="34" charset="0"/>
-                <a:cs typeface="Arial" panose="020B0604020202020204" pitchFamily="34" charset="0"/>
-              </a:rPr>
-              <a:t>A car rental company has recently decided to </a:t>
-            </a:r>
-            <a:r>
-              <a:rPr lang="en-US" sz="2000" b="1" dirty="0">
-                <a:solidFill>
-                  <a:srgbClr val="24292F"/>
-                </a:solidFill>
-                <a:latin typeface="Arial" panose="020B0604020202020204" pitchFamily="34" charset="0"/>
-                <a:cs typeface="Arial" panose="020B0604020202020204" pitchFamily="34" charset="0"/>
-              </a:rPr>
-              <a:t>unify the information systems</a:t>
-            </a:r>
-            <a:r>
-              <a:rPr lang="en-US" sz="2000" dirty="0">
-                <a:solidFill>
-                  <a:srgbClr val="24292F"/>
-                </a:solidFill>
-                <a:latin typeface="Arial" panose="020B0604020202020204" pitchFamily="34" charset="0"/>
-                <a:cs typeface="Arial" panose="020B0604020202020204" pitchFamily="34" charset="0"/>
-              </a:rPr>
-              <a:t> of </a:t>
-            </a:r>
-            <a:r>
-              <a:rPr lang="en-US" sz="2000" b="1" dirty="0">
-                <a:solidFill>
-                  <a:srgbClr val="24292F"/>
-                </a:solidFill>
-                <a:latin typeface="Arial" panose="020B0604020202020204" pitchFamily="34" charset="0"/>
-                <a:cs typeface="Arial" panose="020B0604020202020204" pitchFamily="34" charset="0"/>
-              </a:rPr>
-              <a:t>two branches</a:t>
-            </a:r>
-            <a:r>
-              <a:rPr lang="en-US" sz="2000" dirty="0">
-                <a:solidFill>
-                  <a:srgbClr val="24292F"/>
-                </a:solidFill>
-                <a:latin typeface="Arial" panose="020B0604020202020204" pitchFamily="34" charset="0"/>
-                <a:cs typeface="Arial" panose="020B0604020202020204" pitchFamily="34" charset="0"/>
-              </a:rPr>
-              <a:t> using ontology-based data access techniques.</a:t>
-            </a:r>
-          </a:p>
-          <a:p>
-            <a:pPr algn="just">
+              <a:spcAft>
+                <a:spcPts val="600"/>
+              </a:spcAft>
               <a:buFont typeface="Wingdings" panose="05000000000000000000" pitchFamily="2" charset="2"/>
               <a:buChar char="§"/>
             </a:pPr>
@@ -13983,9 +13991,67 @@
             </a:endParaRPr>
           </a:p>
           <a:p>
-            <a:pPr algn="just">
+            <a:pPr marL="0" indent="0" algn="just">
+              <a:spcAft>
+                <a:spcPts val="600"/>
+              </a:spcAft>
+              <a:buNone/>
+            </a:pPr>
+            <a:r>
+              <a:rPr lang="en-US" sz="2000" dirty="0">
+                <a:solidFill>
+                  <a:srgbClr val="24292F"/>
+                </a:solidFill>
+                <a:latin typeface="Arial" panose="020B0604020202020204" pitchFamily="34" charset="0"/>
+                <a:cs typeface="Arial" panose="020B0604020202020204" pitchFamily="34" charset="0"/>
+              </a:rPr>
+              <a:t>Both the branches:</a:t>
+            </a:r>
+          </a:p>
+          <a:p>
+            <a:pPr marL="1085850" lvl="1" indent="-342900" algn="just">
+              <a:spcAft>
+                <a:spcPts val="600"/>
+              </a:spcAft>
               <a:buFont typeface="Wingdings" panose="05000000000000000000" pitchFamily="2" charset="2"/>
               <a:buChar char="§"/>
+            </a:pPr>
+            <a:r>
+              <a:rPr lang="en-US" sz="2000" dirty="0">
+                <a:solidFill>
+                  <a:srgbClr val="24292F"/>
+                </a:solidFill>
+                <a:latin typeface="Arial" panose="020B0604020202020204" pitchFamily="34" charset="0"/>
+                <a:cs typeface="Arial" panose="020B0604020202020204" pitchFamily="34" charset="0"/>
+              </a:rPr>
+              <a:t>have a real-time data management infrastructure</a:t>
+            </a:r>
+          </a:p>
+          <a:p>
+            <a:pPr marL="1085850" lvl="1" indent="-342900" algn="just">
+              <a:spcAft>
+                <a:spcPts val="600"/>
+              </a:spcAft>
+              <a:buFont typeface="Wingdings" panose="05000000000000000000" pitchFamily="2" charset="2"/>
+              <a:buChar char="§"/>
+            </a:pPr>
+            <a:r>
+              <a:rPr lang="en-US" sz="2000" dirty="0">
+                <a:solidFill>
+                  <a:srgbClr val="24292F"/>
+                </a:solidFill>
+                <a:latin typeface="Arial" panose="020B0604020202020204" pitchFamily="34" charset="0"/>
+                <a:cs typeface="Arial" panose="020B0604020202020204" pitchFamily="34" charset="0"/>
+              </a:rPr>
+              <a:t>store the rental records in Kafka topics</a:t>
+            </a:r>
+          </a:p>
+          <a:p>
+            <a:pPr marL="0" indent="0" algn="just">
+              <a:spcAft>
+                <a:spcPts val="600"/>
+              </a:spcAft>
+              <a:buNone/>
             </a:pPr>
             <a:endParaRPr lang="en-US" sz="2000" dirty="0">
               <a:solidFill>
@@ -13996,7 +14062,25 @@
             </a:endParaRPr>
           </a:p>
           <a:p>
-            <a:pPr algn="just">
+            <a:pPr marL="0" indent="0" algn="just">
+              <a:spcAft>
+                <a:spcPts val="600"/>
+              </a:spcAft>
+              <a:buNone/>
+            </a:pPr>
+            <a:r>
+              <a:rPr lang="en-US" sz="2000" dirty="0">
+                <a:solidFill>
+                  <a:srgbClr val="24292F"/>
+                </a:solidFill>
+                <a:latin typeface="Arial" panose="020B0604020202020204" pitchFamily="34" charset="0"/>
+                <a:cs typeface="Arial" panose="020B0604020202020204" pitchFamily="34" charset="0"/>
+              </a:rPr>
+              <a:t>However, they handles the data differently:</a:t>
+            </a:r>
+          </a:p>
+          <a:p>
+            <a:pPr marL="1085850" lvl="1" indent="-342900" algn="just">
               <a:spcAft>
                 <a:spcPts val="600"/>
               </a:spcAft>
@@ -14004,6 +14088,26 @@
               <a:buChar char="§"/>
             </a:pPr>
             <a:r>
+              <a:rPr lang="en-US" sz="2000" i="1" u="sng" dirty="0">
+                <a:solidFill>
+                  <a:srgbClr val="24292F"/>
+                </a:solidFill>
+                <a:latin typeface="Arial" panose="020B0604020202020204" pitchFamily="34" charset="0"/>
+                <a:cs typeface="Arial" panose="020B0604020202020204" pitchFamily="34" charset="0"/>
+              </a:rPr>
+              <a:t>Branch A</a:t>
+            </a:r>
+            <a:r>
+              <a:rPr lang="en-US" sz="2000" i="1" dirty="0">
+                <a:solidFill>
+                  <a:srgbClr val="24292F"/>
+                </a:solidFill>
+                <a:latin typeface="Arial" panose="020B0604020202020204" pitchFamily="34" charset="0"/>
+                <a:cs typeface="Arial" panose="020B0604020202020204" pitchFamily="34" charset="0"/>
+              </a:rPr>
+              <a:t> </a:t>
+            </a:r>
+            <a:r>
               <a:rPr lang="en-US" sz="2000" dirty="0">
                 <a:solidFill>
                   <a:srgbClr val="24292F"/>
@@ -14011,7 +14115,7 @@
                 <a:latin typeface="Arial" panose="020B0604020202020204" pitchFamily="34" charset="0"/>
                 <a:cs typeface="Arial" panose="020B0604020202020204" pitchFamily="34" charset="0"/>
               </a:rPr>
-              <a:t>Both the branches:</a:t>
+              <a:t>uses two separate Kafka topics for trucks and cars</a:t>
             </a:r>
           </a:p>
           <a:p>
@@ -14019,92 +14123,19 @@
               <a:spcAft>
                 <a:spcPts val="600"/>
               </a:spcAft>
-              <a:buFont typeface="Wingdings" panose="05000000000000000000" pitchFamily="2" charset="2"/>
-              <a:buChar char="Ø"/>
-            </a:pPr>
-            <a:r>
-              <a:rPr lang="en-US" sz="2000" dirty="0">
-                <a:solidFill>
-                  <a:srgbClr val="24292F"/>
-                </a:solidFill>
-                <a:latin typeface="Arial" panose="020B0604020202020204" pitchFamily="34" charset="0"/>
-                <a:cs typeface="Arial" panose="020B0604020202020204" pitchFamily="34" charset="0"/>
-              </a:rPr>
-              <a:t>have a real-time data management infrastructure</a:t>
-            </a:r>
-          </a:p>
-          <a:p>
-            <a:pPr marL="1085850" lvl="1" indent="-342900" algn="just">
-              <a:spcAft>
-                <a:spcPts val="600"/>
-              </a:spcAft>
-              <a:buFont typeface="Wingdings" panose="05000000000000000000" pitchFamily="2" charset="2"/>
-              <a:buChar char="Ø"/>
-            </a:pPr>
-            <a:r>
-              <a:rPr lang="en-US" sz="2000" dirty="0">
-                <a:solidFill>
-                  <a:srgbClr val="24292F"/>
-                </a:solidFill>
-                <a:latin typeface="Arial" panose="020B0604020202020204" pitchFamily="34" charset="0"/>
-                <a:cs typeface="Arial" panose="020B0604020202020204" pitchFamily="34" charset="0"/>
-              </a:rPr>
-              <a:t>store the rental records in Kafka topics</a:t>
-            </a:r>
-          </a:p>
-          <a:p>
-            <a:pPr algn="just">
               <a:buFont typeface="Wingdings" panose="05000000000000000000" pitchFamily="2" charset="2"/>
               <a:buChar char="§"/>
             </a:pPr>
-            <a:endParaRPr lang="en-US" sz="2000" dirty="0">
-              <a:solidFill>
-                <a:srgbClr val="24292F"/>
-              </a:solidFill>
-              <a:latin typeface="Arial" panose="020B0604020202020204" pitchFamily="34" charset="0"/>
-              <a:cs typeface="Arial" panose="020B0604020202020204" pitchFamily="34" charset="0"/>
-            </a:endParaRPr>
-          </a:p>
-          <a:p>
-            <a:pPr algn="just">
-              <a:buFont typeface="Wingdings" panose="05000000000000000000" pitchFamily="2" charset="2"/>
-              <a:buChar char="§"/>
-            </a:pPr>
-            <a:endParaRPr lang="en-US" sz="2000" dirty="0">
-              <a:solidFill>
-                <a:srgbClr val="24292F"/>
-              </a:solidFill>
-              <a:latin typeface="Arial" panose="020B0604020202020204" pitchFamily="34" charset="0"/>
-              <a:cs typeface="Arial" panose="020B0604020202020204" pitchFamily="34" charset="0"/>
-            </a:endParaRPr>
-          </a:p>
-          <a:p>
-            <a:pPr algn="just">
-              <a:spcAft>
-                <a:spcPts val="600"/>
-              </a:spcAft>
-              <a:buFont typeface="Wingdings" panose="05000000000000000000" pitchFamily="2" charset="2"/>
-              <a:buChar char="§"/>
-            </a:pPr>
-            <a:r>
-              <a:rPr lang="en-US" sz="2000" dirty="0">
+            <a:r>
+              <a:rPr lang="en-US" sz="2000" i="1" u="sng" dirty="0">
                 <a:solidFill>
                   <a:srgbClr val="24292F"/>
                 </a:solidFill>
                 <a:latin typeface="Arial" panose="020B0604020202020204" pitchFamily="34" charset="0"/>
                 <a:cs typeface="Arial" panose="020B0604020202020204" pitchFamily="34" charset="0"/>
               </a:rPr>
-              <a:t>However, they handles the data differently:</a:t>
-            </a:r>
-          </a:p>
-          <a:p>
-            <a:pPr marL="1085850" lvl="1" indent="-342900" algn="just">
-              <a:spcAft>
-                <a:spcPts val="600"/>
-              </a:spcAft>
-              <a:buFont typeface="Wingdings" panose="05000000000000000000" pitchFamily="2" charset="2"/>
-              <a:buChar char="Ø"/>
-            </a:pPr>
+              <a:t>Branch B</a:t>
+            </a:r>
             <a:r>
               <a:rPr lang="en-US" sz="2000" i="1" dirty="0">
                 <a:solidFill>
@@ -14113,36 +14144,7 @@
                 <a:latin typeface="Arial" panose="020B0604020202020204" pitchFamily="34" charset="0"/>
                 <a:cs typeface="Arial" panose="020B0604020202020204" pitchFamily="34" charset="0"/>
               </a:rPr>
-              <a:t>Branch A </a:t>
-            </a:r>
-            <a:r>
-              <a:rPr lang="en-US" sz="2000" dirty="0">
-                <a:solidFill>
-                  <a:srgbClr val="24292F"/>
-                </a:solidFill>
-                <a:latin typeface="Arial" panose="020B0604020202020204" pitchFamily="34" charset="0"/>
-                <a:cs typeface="Arial" panose="020B0604020202020204" pitchFamily="34" charset="0"/>
-              </a:rPr>
-              <a:t>uses two separate Kafka topics for trucks and cars</a:t>
-            </a:r>
-          </a:p>
-          <a:p>
-            <a:pPr marL="1085850" lvl="1" indent="-342900" algn="just">
-              <a:spcAft>
-                <a:spcPts val="600"/>
-              </a:spcAft>
-              <a:buFont typeface="Wingdings" panose="05000000000000000000" pitchFamily="2" charset="2"/>
-              <a:buChar char="Ø"/>
-            </a:pPr>
-            <a:r>
-              <a:rPr lang="en-US" sz="2000" i="1" dirty="0">
-                <a:solidFill>
-                  <a:srgbClr val="24292F"/>
-                </a:solidFill>
-                <a:latin typeface="Arial" panose="020B0604020202020204" pitchFamily="34" charset="0"/>
-                <a:cs typeface="Arial" panose="020B0604020202020204" pitchFamily="34" charset="0"/>
-              </a:rPr>
-              <a:t>Branch B </a:t>
+              <a:t> </a:t>
             </a:r>
             <a:r>
               <a:rPr lang="en-US" sz="2000" dirty="0">
@@ -14670,7 +14672,7 @@
         <p:spPr>
           <a:xfrm>
             <a:off x="206374" y="1089898"/>
-            <a:ext cx="11763375" cy="4678204"/>
+            <a:ext cx="11763375" cy="5386090"/>
           </a:xfrm>
           <a:prstGeom prst="rect">
             <a:avLst/>
@@ -14694,7 +14696,11 @@
             </a:endParaRPr>
           </a:p>
           <a:p>
-            <a:pPr algn="just"/>
+            <a:pPr algn="just">
+              <a:spcAft>
+                <a:spcPts val="600"/>
+              </a:spcAft>
+            </a:pPr>
             <a:r>
               <a:rPr lang="en-US" sz="2100" b="0" i="0" dirty="0">
                 <a:solidFill>
@@ -14729,7 +14735,11 @@
             </a:r>
           </a:p>
           <a:p>
-            <a:pPr algn="just"/>
+            <a:pPr algn="just">
+              <a:spcAft>
+                <a:spcPts val="600"/>
+              </a:spcAft>
+            </a:pPr>
             <a:endParaRPr lang="en-US" sz="2100" dirty="0">
               <a:solidFill>
                 <a:srgbClr val="000000"/>
@@ -14739,7 +14749,11 @@
             </a:endParaRPr>
           </a:p>
           <a:p>
-            <a:pPr algn="just"/>
+            <a:pPr algn="just">
+              <a:spcAft>
+                <a:spcPts val="600"/>
+              </a:spcAft>
+            </a:pPr>
             <a:endParaRPr lang="en-US" sz="2100" dirty="0">
               <a:solidFill>
                 <a:srgbClr val="000000"/>
@@ -14750,6 +14764,9 @@
           </a:p>
           <a:p>
             <a:pPr algn="just">
+              <a:lnSpc>
+                <a:spcPct val="150000"/>
+              </a:lnSpc>
               <a:spcAft>
                 <a:spcPts val="600"/>
               </a:spcAft>
@@ -14830,7 +14847,11 @@
             </a:endParaRPr>
           </a:p>
           <a:p>
-            <a:pPr algn="just"/>
+            <a:pPr algn="just">
+              <a:spcAft>
+                <a:spcPts val="600"/>
+              </a:spcAft>
+            </a:pPr>
             <a:endParaRPr lang="en-US" sz="2100" dirty="0">
               <a:solidFill>
                 <a:srgbClr val="000000"/>
@@ -14840,7 +14861,11 @@
             </a:endParaRPr>
           </a:p>
           <a:p>
-            <a:pPr algn="just"/>
+            <a:pPr algn="just">
+              <a:spcAft>
+                <a:spcPts val="600"/>
+              </a:spcAft>
+            </a:pPr>
             <a:endParaRPr lang="en-US" sz="2100" b="0" i="0" dirty="0">
               <a:solidFill>
                 <a:srgbClr val="24292F"/>
@@ -25620,7 +25645,8 @@
                 <a:solidFill>
                   <a:srgbClr val="24292F"/>
                 </a:solidFill>
-                <a:latin typeface="-apple-system"/>
+                <a:latin typeface="Arial" panose="020B0604020202020204" pitchFamily="34" charset="0"/>
+                <a:cs typeface="Arial" panose="020B0604020202020204" pitchFamily="34" charset="0"/>
               </a:rPr>
               <a:t>e</a:t>
             </a:r>
@@ -25630,7 +25656,8 @@
                   <a:srgbClr val="24292F"/>
                 </a:solidFill>
                 <a:effectLst/>
-                <a:latin typeface="-apple-system"/>
+                <a:latin typeface="Arial" panose="020B0604020202020204" pitchFamily="34" charset="0"/>
+                <a:cs typeface="Arial" panose="020B0604020202020204" pitchFamily="34" charset="0"/>
               </a:rPr>
               <a:t>ase the mapping process</a:t>
             </a:r>
@@ -25649,7 +25676,8 @@
                   <a:srgbClr val="24292F"/>
                 </a:solidFill>
                 <a:effectLst/>
-                <a:latin typeface="-apple-system"/>
+                <a:latin typeface="Arial" panose="020B0604020202020204" pitchFamily="34" charset="0"/>
+                <a:cs typeface="Arial" panose="020B0604020202020204" pitchFamily="34" charset="0"/>
               </a:rPr>
               <a:t>express </a:t>
             </a:r>
@@ -25659,7 +25687,8 @@
                   <a:srgbClr val="24292F"/>
                 </a:solidFill>
                 <a:effectLst/>
-                <a:latin typeface="-apple-system"/>
+                <a:latin typeface="Arial" panose="020B0604020202020204" pitchFamily="34" charset="0"/>
+                <a:cs typeface="Arial" panose="020B0604020202020204" pitchFamily="34" charset="0"/>
               </a:rPr>
               <a:t>implicit</a:t>
             </a:r>
@@ -25669,7 +25698,8 @@
                   <a:srgbClr val="24292F"/>
                 </a:solidFill>
                 <a:effectLst/>
-                <a:latin typeface="-apple-system"/>
+                <a:latin typeface="Arial" panose="020B0604020202020204" pitchFamily="34" charset="0"/>
+                <a:cs typeface="Arial" panose="020B0604020202020204" pitchFamily="34" charset="0"/>
               </a:rPr>
               <a:t> domain/range </a:t>
             </a:r>
@@ -25679,7 +25709,8 @@
                   <a:srgbClr val="24292F"/>
                 </a:solidFill>
                 <a:effectLst/>
-                <a:latin typeface="-apple-system"/>
+                <a:latin typeface="Arial" panose="020B0604020202020204" pitchFamily="34" charset="0"/>
+                <a:cs typeface="Arial" panose="020B0604020202020204" pitchFamily="34" charset="0"/>
               </a:rPr>
               <a:t>restrictions</a:t>
             </a:r>
@@ -25689,7 +25720,8 @@
                   <a:srgbClr val="24292F"/>
                 </a:solidFill>
                 <a:effectLst/>
-                <a:latin typeface="-apple-system"/>
+                <a:latin typeface="Arial" panose="020B0604020202020204" pitchFamily="34" charset="0"/>
+                <a:cs typeface="Arial" panose="020B0604020202020204" pitchFamily="34" charset="0"/>
               </a:rPr>
               <a:t> on Class </a:t>
             </a:r>
@@ -25699,7 +25731,8 @@
                   <a:srgbClr val="24292F"/>
                 </a:solidFill>
                 <a:effectLst/>
-                <a:latin typeface="-apple-system"/>
+                <a:latin typeface="Arial" panose="020B0604020202020204" pitchFamily="34" charset="0"/>
+                <a:cs typeface="Arial" panose="020B0604020202020204" pitchFamily="34" charset="0"/>
               </a:rPr>
               <a:t>istances</a:t>
             </a:r>
@@ -25709,7 +25742,8 @@
                   <a:srgbClr val="24292F"/>
                 </a:solidFill>
                 <a:effectLst/>
-                <a:latin typeface="-apple-system"/>
+                <a:latin typeface="Arial" panose="020B0604020202020204" pitchFamily="34" charset="0"/>
+                <a:cs typeface="Arial" panose="020B0604020202020204" pitchFamily="34" charset="0"/>
               </a:rPr>
               <a:t>:</a:t>
             </a:r>

--- a/Tutorial_WebConf.pptx
+++ b/Tutorial_WebConf.pptx
@@ -313,7 +313,7 @@
           <a:p>
             <a:fld id="{488C305F-8B13-4FFB-B314-CC42778F6F74}" type="datetimeFigureOut">
               <a:rPr lang="en-US" smtClean="0"/>
-              <a:t>4/5/2022</a:t>
+              <a:t>10/24/2022</a:t>
             </a:fld>
             <a:endParaRPr lang="en-US"/>
           </a:p>
@@ -513,7 +513,7 @@
           <a:p>
             <a:fld id="{488C305F-8B13-4FFB-B314-CC42778F6F74}" type="datetimeFigureOut">
               <a:rPr lang="en-US" smtClean="0"/>
-              <a:t>4/5/2022</a:t>
+              <a:t>10/24/2022</a:t>
             </a:fld>
             <a:endParaRPr lang="en-US"/>
           </a:p>
@@ -723,7 +723,7 @@
           <a:p>
             <a:fld id="{488C305F-8B13-4FFB-B314-CC42778F6F74}" type="datetimeFigureOut">
               <a:rPr lang="en-US" smtClean="0"/>
-              <a:t>4/5/2022</a:t>
+              <a:t>10/24/2022</a:t>
             </a:fld>
             <a:endParaRPr lang="en-US"/>
           </a:p>
@@ -923,7 +923,7 @@
           <a:p>
             <a:fld id="{488C305F-8B13-4FFB-B314-CC42778F6F74}" type="datetimeFigureOut">
               <a:rPr lang="en-US" smtClean="0"/>
-              <a:t>4/5/2022</a:t>
+              <a:t>10/24/2022</a:t>
             </a:fld>
             <a:endParaRPr lang="en-US"/>
           </a:p>
@@ -1199,7 +1199,7 @@
           <a:p>
             <a:fld id="{488C305F-8B13-4FFB-B314-CC42778F6F74}" type="datetimeFigureOut">
               <a:rPr lang="en-US" smtClean="0"/>
-              <a:t>4/5/2022</a:t>
+              <a:t>10/24/2022</a:t>
             </a:fld>
             <a:endParaRPr lang="en-US"/>
           </a:p>
@@ -1467,7 +1467,7 @@
           <a:p>
             <a:fld id="{488C305F-8B13-4FFB-B314-CC42778F6F74}" type="datetimeFigureOut">
               <a:rPr lang="en-US" smtClean="0"/>
-              <a:t>4/5/2022</a:t>
+              <a:t>10/24/2022</a:t>
             </a:fld>
             <a:endParaRPr lang="en-US"/>
           </a:p>
@@ -1882,7 +1882,7 @@
           <a:p>
             <a:fld id="{488C305F-8B13-4FFB-B314-CC42778F6F74}" type="datetimeFigureOut">
               <a:rPr lang="en-US" smtClean="0"/>
-              <a:t>4/5/2022</a:t>
+              <a:t>10/24/2022</a:t>
             </a:fld>
             <a:endParaRPr lang="en-US"/>
           </a:p>
@@ -2024,7 +2024,7 @@
           <a:p>
             <a:fld id="{488C305F-8B13-4FFB-B314-CC42778F6F74}" type="datetimeFigureOut">
               <a:rPr lang="en-US" smtClean="0"/>
-              <a:t>4/5/2022</a:t>
+              <a:t>10/24/2022</a:t>
             </a:fld>
             <a:endParaRPr lang="en-US"/>
           </a:p>
@@ -2137,7 +2137,7 @@
           <a:p>
             <a:fld id="{488C305F-8B13-4FFB-B314-CC42778F6F74}" type="datetimeFigureOut">
               <a:rPr lang="en-US" smtClean="0"/>
-              <a:t>4/5/2022</a:t>
+              <a:t>10/24/2022</a:t>
             </a:fld>
             <a:endParaRPr lang="en-US"/>
           </a:p>
@@ -2450,7 +2450,7 @@
           <a:p>
             <a:fld id="{488C305F-8B13-4FFB-B314-CC42778F6F74}" type="datetimeFigureOut">
               <a:rPr lang="en-US" smtClean="0"/>
-              <a:t>4/5/2022</a:t>
+              <a:t>10/24/2022</a:t>
             </a:fld>
             <a:endParaRPr lang="en-US"/>
           </a:p>
@@ -2739,7 +2739,7 @@
           <a:p>
             <a:fld id="{488C305F-8B13-4FFB-B314-CC42778F6F74}" type="datetimeFigureOut">
               <a:rPr lang="en-US" smtClean="0"/>
-              <a:t>4/5/2022</a:t>
+              <a:t>10/24/2022</a:t>
             </a:fld>
             <a:endParaRPr lang="en-US"/>
           </a:p>
@@ -2982,7 +2982,7 @@
           <a:p>
             <a:fld id="{488C305F-8B13-4FFB-B314-CC42778F6F74}" type="datetimeFigureOut">
               <a:rPr lang="en-US" smtClean="0"/>
-              <a:t>4/5/2022</a:t>
+              <a:t>10/24/2022</a:t>
             </a:fld>
             <a:endParaRPr lang="en-US"/>
           </a:p>
